--- a/ODsayAndroidSDKSample/src/main/res/raw/mapable_design_ppt.pptx
+++ b/ODsayAndroidSDKSample/src/main/res/raw/mapable_design_ppt.pptx
@@ -105,6 +105,11 @@
       </a:defRPr>
     </a:lvl9pPr>
   </p:defaultTextStyle>
+  <p:extLst>
+    <p:ext uri="{EFAFB233-063F-42B5-8137-9DF3F51BA10A}">
+      <p15:sldGuideLst xmlns:p15="http://schemas.microsoft.com/office/powerpoint/2012/main"/>
+    </p:ext>
+  </p:extLst>
 </p:presentation>
 </file>
 
@@ -3524,7 +3529,63 @@
                 <a:latin typeface="나눔스퀘어라운드 Bold" panose="020B0600000101010101" pitchFamily="50" charset="-127"/>
                 <a:ea typeface="나눔스퀘어라운드 Bold" panose="020B0600000101010101" pitchFamily="50" charset="-127"/>
               </a:rPr>
-              <a:t>심야</a:t>
+              <a:t>일반</a:t>
+            </a:r>
+            <a:endParaRPr lang="ko-KR" altLang="en-US" sz="12000" dirty="0">
+              <a:latin typeface="나눔스퀘어라운드 Bold" panose="020B0600000101010101" pitchFamily="50" charset="-127"/>
+              <a:ea typeface="나눔스퀘어라운드 Bold" panose="020B0600000101010101" pitchFamily="50" charset="-127"/>
+            </a:endParaRPr>
+          </a:p>
+        </p:txBody>
+      </p:sp>
+      <p:sp>
+        <p:nvSpPr>
+          <p:cNvPr id="17" name="모서리가 둥근 직사각형 16"/>
+          <p:cNvSpPr/>
+          <p:nvPr/>
+        </p:nvSpPr>
+        <p:spPr>
+          <a:xfrm>
+            <a:off x="-13792200" y="1948299"/>
+            <a:ext cx="5145578" cy="2402378"/>
+          </a:xfrm>
+          <a:prstGeom prst="roundRect">
+            <a:avLst/>
+          </a:prstGeom>
+          <a:solidFill>
+            <a:srgbClr val="47AF1B"/>
+          </a:solidFill>
+          <a:ln>
+            <a:noFill/>
+          </a:ln>
+        </p:spPr>
+        <p:style>
+          <a:lnRef idx="2">
+            <a:schemeClr val="accent6">
+              <a:shade val="50000"/>
+            </a:schemeClr>
+          </a:lnRef>
+          <a:fillRef idx="1">
+            <a:schemeClr val="accent6"/>
+          </a:fillRef>
+          <a:effectRef idx="0">
+            <a:schemeClr val="accent6"/>
+          </a:effectRef>
+          <a:fontRef idx="minor">
+            <a:schemeClr val="lt1"/>
+          </a:fontRef>
+        </p:style>
+        <p:txBody>
+          <a:bodyPr rtlCol="0" anchor="ctr"/>
+          <a:lstStyle/>
+          <a:p>
+            <a:pPr algn="ctr"/>
+            <a:r>
+              <a:rPr lang="ko-KR" altLang="en-US" sz="12000" dirty="0" smtClean="0">
+                <a:latin typeface="나눔스퀘어라운드 Bold" panose="020B0600000101010101" pitchFamily="50" charset="-127"/>
+                <a:ea typeface="나눔스퀘어라운드 Bold" panose="020B0600000101010101" pitchFamily="50" charset="-127"/>
+              </a:rPr>
+              <a:t>마을</a:t>
             </a:r>
             <a:endParaRPr lang="ko-KR" altLang="en-US" sz="12000" dirty="0">
               <a:latin typeface="나눔스퀘어라운드 Bold" panose="020B0600000101010101" pitchFamily="50" charset="-127"/>
@@ -3602,7 +3663,7 @@
             <a:avLst/>
           </a:prstGeom>
           <a:solidFill>
-            <a:srgbClr val="F8AFBC"/>
+            <a:srgbClr val="F48EA8"/>
           </a:solidFill>
         </p:spPr>
         <p:style>
